--- a/src/test/resources/documentation/TDT2019.pptx
+++ b/src/test/resources/documentation/TDT2019.pptx
@@ -4511,6 +4511,346 @@
   <p:clrMapOvr>
     <a:masterClrMapping/>
   </p:clrMapOvr>
+  <p:timing>
+    <p:tnLst>
+      <p:par>
+        <p:cTn id="1" dur="indefinite" restart="never" nodeType="tmRoot">
+          <p:childTnLst>
+            <p:seq concurrent="1" nextAc="seek">
+              <p:cTn id="2" dur="indefinite" nodeType="mainSeq">
+                <p:childTnLst>
+                  <p:par>
+                    <p:cTn id="3" fill="hold">
+                      <p:stCondLst>
+                        <p:cond delay="indefinite"/>
+                      </p:stCondLst>
+                      <p:childTnLst>
+                        <p:par>
+                          <p:cTn id="4" fill="hold">
+                            <p:stCondLst>
+                              <p:cond delay="0"/>
+                            </p:stCondLst>
+                            <p:childTnLst>
+                              <p:par>
+                                <p:cTn id="5" presetID="1" presetClass="entr" presetSubtype="0" fill="hold" grpId="0" nodeType="clickEffect">
+                                  <p:stCondLst>
+                                    <p:cond delay="0"/>
+                                  </p:stCondLst>
+                                  <p:childTnLst>
+                                    <p:set>
+                                      <p:cBhvr>
+                                        <p:cTn id="6" dur="1" fill="hold">
+                                          <p:stCondLst>
+                                            <p:cond delay="0"/>
+                                          </p:stCondLst>
+                                        </p:cTn>
+                                        <p:tgtEl>
+                                          <p:spTgt spid="3">
+                                            <p:txEl>
+                                              <p:pRg st="0" end="0"/>
+                                            </p:txEl>
+                                          </p:spTgt>
+                                        </p:tgtEl>
+                                        <p:attrNameLst>
+                                          <p:attrName>style.visibility</p:attrName>
+                                        </p:attrNameLst>
+                                      </p:cBhvr>
+                                      <p:to>
+                                        <p:strVal val="visible"/>
+                                      </p:to>
+                                    </p:set>
+                                  </p:childTnLst>
+                                </p:cTn>
+                              </p:par>
+                            </p:childTnLst>
+                          </p:cTn>
+                        </p:par>
+                      </p:childTnLst>
+                    </p:cTn>
+                  </p:par>
+                  <p:par>
+                    <p:cTn id="7" fill="hold">
+                      <p:stCondLst>
+                        <p:cond delay="indefinite"/>
+                      </p:stCondLst>
+                      <p:childTnLst>
+                        <p:par>
+                          <p:cTn id="8" fill="hold">
+                            <p:stCondLst>
+                              <p:cond delay="0"/>
+                            </p:stCondLst>
+                            <p:childTnLst>
+                              <p:par>
+                                <p:cTn id="9" presetID="1" presetClass="entr" presetSubtype="0" fill="hold" grpId="0" nodeType="clickEffect">
+                                  <p:stCondLst>
+                                    <p:cond delay="0"/>
+                                  </p:stCondLst>
+                                  <p:childTnLst>
+                                    <p:set>
+                                      <p:cBhvr>
+                                        <p:cTn id="10" dur="1" fill="hold">
+                                          <p:stCondLst>
+                                            <p:cond delay="0"/>
+                                          </p:stCondLst>
+                                        </p:cTn>
+                                        <p:tgtEl>
+                                          <p:spTgt spid="3">
+                                            <p:txEl>
+                                              <p:pRg st="1" end="1"/>
+                                            </p:txEl>
+                                          </p:spTgt>
+                                        </p:tgtEl>
+                                        <p:attrNameLst>
+                                          <p:attrName>style.visibility</p:attrName>
+                                        </p:attrNameLst>
+                                      </p:cBhvr>
+                                      <p:to>
+                                        <p:strVal val="visible"/>
+                                      </p:to>
+                                    </p:set>
+                                  </p:childTnLst>
+                                </p:cTn>
+                              </p:par>
+                            </p:childTnLst>
+                          </p:cTn>
+                        </p:par>
+                      </p:childTnLst>
+                    </p:cTn>
+                  </p:par>
+                  <p:par>
+                    <p:cTn id="11" fill="hold">
+                      <p:stCondLst>
+                        <p:cond delay="indefinite"/>
+                      </p:stCondLst>
+                      <p:childTnLst>
+                        <p:par>
+                          <p:cTn id="12" fill="hold">
+                            <p:stCondLst>
+                              <p:cond delay="0"/>
+                            </p:stCondLst>
+                            <p:childTnLst>
+                              <p:par>
+                                <p:cTn id="13" presetID="1" presetClass="entr" presetSubtype="0" fill="hold" grpId="0" nodeType="clickEffect">
+                                  <p:stCondLst>
+                                    <p:cond delay="0"/>
+                                  </p:stCondLst>
+                                  <p:childTnLst>
+                                    <p:set>
+                                      <p:cBhvr>
+                                        <p:cTn id="14" dur="1" fill="hold">
+                                          <p:stCondLst>
+                                            <p:cond delay="0"/>
+                                          </p:stCondLst>
+                                        </p:cTn>
+                                        <p:tgtEl>
+                                          <p:spTgt spid="3">
+                                            <p:txEl>
+                                              <p:pRg st="2" end="2"/>
+                                            </p:txEl>
+                                          </p:spTgt>
+                                        </p:tgtEl>
+                                        <p:attrNameLst>
+                                          <p:attrName>style.visibility</p:attrName>
+                                        </p:attrNameLst>
+                                      </p:cBhvr>
+                                      <p:to>
+                                        <p:strVal val="visible"/>
+                                      </p:to>
+                                    </p:set>
+                                  </p:childTnLst>
+                                </p:cTn>
+                              </p:par>
+                            </p:childTnLst>
+                          </p:cTn>
+                        </p:par>
+                      </p:childTnLst>
+                    </p:cTn>
+                  </p:par>
+                  <p:par>
+                    <p:cTn id="15" fill="hold">
+                      <p:stCondLst>
+                        <p:cond delay="indefinite"/>
+                      </p:stCondLst>
+                      <p:childTnLst>
+                        <p:par>
+                          <p:cTn id="16" fill="hold">
+                            <p:stCondLst>
+                              <p:cond delay="0"/>
+                            </p:stCondLst>
+                            <p:childTnLst>
+                              <p:par>
+                                <p:cTn id="17" presetID="1" presetClass="entr" presetSubtype="0" fill="hold" grpId="0" nodeType="clickEffect">
+                                  <p:stCondLst>
+                                    <p:cond delay="0"/>
+                                  </p:stCondLst>
+                                  <p:childTnLst>
+                                    <p:set>
+                                      <p:cBhvr>
+                                        <p:cTn id="18" dur="1" fill="hold">
+                                          <p:stCondLst>
+                                            <p:cond delay="0"/>
+                                          </p:stCondLst>
+                                        </p:cTn>
+                                        <p:tgtEl>
+                                          <p:spTgt spid="3">
+                                            <p:txEl>
+                                              <p:pRg st="3" end="3"/>
+                                            </p:txEl>
+                                          </p:spTgt>
+                                        </p:tgtEl>
+                                        <p:attrNameLst>
+                                          <p:attrName>style.visibility</p:attrName>
+                                        </p:attrNameLst>
+                                      </p:cBhvr>
+                                      <p:to>
+                                        <p:strVal val="visible"/>
+                                      </p:to>
+                                    </p:set>
+                                  </p:childTnLst>
+                                </p:cTn>
+                              </p:par>
+                              <p:par>
+                                <p:cTn id="19" presetID="1" presetClass="entr" presetSubtype="0" fill="hold" grpId="0" nodeType="withEffect">
+                                  <p:stCondLst>
+                                    <p:cond delay="0"/>
+                                  </p:stCondLst>
+                                  <p:childTnLst>
+                                    <p:set>
+                                      <p:cBhvr>
+                                        <p:cTn id="20" dur="1" fill="hold">
+                                          <p:stCondLst>
+                                            <p:cond delay="0"/>
+                                          </p:stCondLst>
+                                        </p:cTn>
+                                        <p:tgtEl>
+                                          <p:spTgt spid="3">
+                                            <p:txEl>
+                                              <p:pRg st="4" end="4"/>
+                                            </p:txEl>
+                                          </p:spTgt>
+                                        </p:tgtEl>
+                                        <p:attrNameLst>
+                                          <p:attrName>style.visibility</p:attrName>
+                                        </p:attrNameLst>
+                                      </p:cBhvr>
+                                      <p:to>
+                                        <p:strVal val="visible"/>
+                                      </p:to>
+                                    </p:set>
+                                  </p:childTnLst>
+                                </p:cTn>
+                              </p:par>
+                              <p:par>
+                                <p:cTn id="21" presetID="1" presetClass="entr" presetSubtype="0" fill="hold" grpId="0" nodeType="withEffect">
+                                  <p:stCondLst>
+                                    <p:cond delay="0"/>
+                                  </p:stCondLst>
+                                  <p:childTnLst>
+                                    <p:set>
+                                      <p:cBhvr>
+                                        <p:cTn id="22" dur="1" fill="hold">
+                                          <p:stCondLst>
+                                            <p:cond delay="0"/>
+                                          </p:stCondLst>
+                                        </p:cTn>
+                                        <p:tgtEl>
+                                          <p:spTgt spid="3">
+                                            <p:txEl>
+                                              <p:pRg st="5" end="5"/>
+                                            </p:txEl>
+                                          </p:spTgt>
+                                        </p:tgtEl>
+                                        <p:attrNameLst>
+                                          <p:attrName>style.visibility</p:attrName>
+                                        </p:attrNameLst>
+                                      </p:cBhvr>
+                                      <p:to>
+                                        <p:strVal val="visible"/>
+                                      </p:to>
+                                    </p:set>
+                                  </p:childTnLst>
+                                </p:cTn>
+                              </p:par>
+                            </p:childTnLst>
+                          </p:cTn>
+                        </p:par>
+                      </p:childTnLst>
+                    </p:cTn>
+                  </p:par>
+                  <p:par>
+                    <p:cTn id="23" fill="hold">
+                      <p:stCondLst>
+                        <p:cond delay="indefinite"/>
+                      </p:stCondLst>
+                      <p:childTnLst>
+                        <p:par>
+                          <p:cTn id="24" fill="hold">
+                            <p:stCondLst>
+                              <p:cond delay="0"/>
+                            </p:stCondLst>
+                            <p:childTnLst>
+                              <p:par>
+                                <p:cTn id="25" presetID="1" presetClass="entr" presetSubtype="0" fill="hold" grpId="0" nodeType="clickEffect">
+                                  <p:stCondLst>
+                                    <p:cond delay="0"/>
+                                  </p:stCondLst>
+                                  <p:childTnLst>
+                                    <p:set>
+                                      <p:cBhvr>
+                                        <p:cTn id="26" dur="1" fill="hold">
+                                          <p:stCondLst>
+                                            <p:cond delay="0"/>
+                                          </p:stCondLst>
+                                        </p:cTn>
+                                        <p:tgtEl>
+                                          <p:spTgt spid="3">
+                                            <p:txEl>
+                                              <p:pRg st="6" end="6"/>
+                                            </p:txEl>
+                                          </p:spTgt>
+                                        </p:tgtEl>
+                                        <p:attrNameLst>
+                                          <p:attrName>style.visibility</p:attrName>
+                                        </p:attrNameLst>
+                                      </p:cBhvr>
+                                      <p:to>
+                                        <p:strVal val="visible"/>
+                                      </p:to>
+                                    </p:set>
+                                  </p:childTnLst>
+                                </p:cTn>
+                              </p:par>
+                            </p:childTnLst>
+                          </p:cTn>
+                        </p:par>
+                      </p:childTnLst>
+                    </p:cTn>
+                  </p:par>
+                </p:childTnLst>
+              </p:cTn>
+              <p:prevCondLst>
+                <p:cond evt="onPrev" delay="0">
+                  <p:tgtEl>
+                    <p:sldTgt/>
+                  </p:tgtEl>
+                </p:cond>
+              </p:prevCondLst>
+              <p:nextCondLst>
+                <p:cond evt="onNext" delay="0">
+                  <p:tgtEl>
+                    <p:sldTgt/>
+                  </p:tgtEl>
+                </p:cond>
+              </p:nextCondLst>
+            </p:seq>
+          </p:childTnLst>
+        </p:cTn>
+      </p:par>
+    </p:tnLst>
+    <p:bldLst>
+      <p:bldP spid="3" grpId="0" build="p"/>
+    </p:bldLst>
+  </p:timing>
 </p:sld>
 </file>
 
@@ -4709,6 +5049,235 @@
   <p:clrMapOvr>
     <a:masterClrMapping/>
   </p:clrMapOvr>
+  <p:timing>
+    <p:tnLst>
+      <p:par>
+        <p:cTn id="1" dur="indefinite" restart="never" nodeType="tmRoot">
+          <p:childTnLst>
+            <p:seq concurrent="1" nextAc="seek">
+              <p:cTn id="2" dur="indefinite" nodeType="mainSeq">
+                <p:childTnLst>
+                  <p:par>
+                    <p:cTn id="3" fill="hold">
+                      <p:stCondLst>
+                        <p:cond delay="indefinite"/>
+                      </p:stCondLst>
+                      <p:childTnLst>
+                        <p:par>
+                          <p:cTn id="4" fill="hold">
+                            <p:stCondLst>
+                              <p:cond delay="0"/>
+                            </p:stCondLst>
+                            <p:childTnLst>
+                              <p:par>
+                                <p:cTn id="5" presetID="1" presetClass="entr" presetSubtype="0" fill="hold" grpId="0" nodeType="clickEffect">
+                                  <p:stCondLst>
+                                    <p:cond delay="0"/>
+                                  </p:stCondLst>
+                                  <p:childTnLst>
+                                    <p:set>
+                                      <p:cBhvr>
+                                        <p:cTn id="6" dur="1" fill="hold">
+                                          <p:stCondLst>
+                                            <p:cond delay="0"/>
+                                          </p:stCondLst>
+                                        </p:cTn>
+                                        <p:tgtEl>
+                                          <p:spTgt spid="3">
+                                            <p:txEl>
+                                              <p:pRg st="0" end="0"/>
+                                            </p:txEl>
+                                          </p:spTgt>
+                                        </p:tgtEl>
+                                        <p:attrNameLst>
+                                          <p:attrName>style.visibility</p:attrName>
+                                        </p:attrNameLst>
+                                      </p:cBhvr>
+                                      <p:to>
+                                        <p:strVal val="visible"/>
+                                      </p:to>
+                                    </p:set>
+                                  </p:childTnLst>
+                                </p:cTn>
+                              </p:par>
+                            </p:childTnLst>
+                          </p:cTn>
+                        </p:par>
+                      </p:childTnLst>
+                    </p:cTn>
+                  </p:par>
+                  <p:par>
+                    <p:cTn id="7" fill="hold">
+                      <p:stCondLst>
+                        <p:cond delay="indefinite"/>
+                      </p:stCondLst>
+                      <p:childTnLst>
+                        <p:par>
+                          <p:cTn id="8" fill="hold">
+                            <p:stCondLst>
+                              <p:cond delay="0"/>
+                            </p:stCondLst>
+                            <p:childTnLst>
+                              <p:par>
+                                <p:cTn id="9" presetID="1" presetClass="entr" presetSubtype="0" fill="hold" grpId="0" nodeType="clickEffect">
+                                  <p:stCondLst>
+                                    <p:cond delay="0"/>
+                                  </p:stCondLst>
+                                  <p:childTnLst>
+                                    <p:set>
+                                      <p:cBhvr>
+                                        <p:cTn id="10" dur="1" fill="hold">
+                                          <p:stCondLst>
+                                            <p:cond delay="0"/>
+                                          </p:stCondLst>
+                                        </p:cTn>
+                                        <p:tgtEl>
+                                          <p:spTgt spid="3">
+                                            <p:txEl>
+                                              <p:pRg st="1" end="1"/>
+                                            </p:txEl>
+                                          </p:spTgt>
+                                        </p:tgtEl>
+                                        <p:attrNameLst>
+                                          <p:attrName>style.visibility</p:attrName>
+                                        </p:attrNameLst>
+                                      </p:cBhvr>
+                                      <p:to>
+                                        <p:strVal val="visible"/>
+                                      </p:to>
+                                    </p:set>
+                                  </p:childTnLst>
+                                </p:cTn>
+                              </p:par>
+                            </p:childTnLst>
+                          </p:cTn>
+                        </p:par>
+                      </p:childTnLst>
+                    </p:cTn>
+                  </p:par>
+                  <p:par>
+                    <p:cTn id="11" fill="hold">
+                      <p:stCondLst>
+                        <p:cond delay="indefinite"/>
+                      </p:stCondLst>
+                      <p:childTnLst>
+                        <p:par>
+                          <p:cTn id="12" fill="hold">
+                            <p:stCondLst>
+                              <p:cond delay="0"/>
+                            </p:stCondLst>
+                            <p:childTnLst>
+                              <p:par>
+                                <p:cTn id="13" presetID="1" presetClass="entr" presetSubtype="0" fill="hold" grpId="0" nodeType="clickEffect">
+                                  <p:stCondLst>
+                                    <p:cond delay="0"/>
+                                  </p:stCondLst>
+                                  <p:childTnLst>
+                                    <p:set>
+                                      <p:cBhvr>
+                                        <p:cTn id="14" dur="1" fill="hold">
+                                          <p:stCondLst>
+                                            <p:cond delay="0"/>
+                                          </p:stCondLst>
+                                        </p:cTn>
+                                        <p:tgtEl>
+                                          <p:spTgt spid="3">
+                                            <p:txEl>
+                                              <p:pRg st="2" end="2"/>
+                                            </p:txEl>
+                                          </p:spTgt>
+                                        </p:tgtEl>
+                                        <p:attrNameLst>
+                                          <p:attrName>style.visibility</p:attrName>
+                                        </p:attrNameLst>
+                                      </p:cBhvr>
+                                      <p:to>
+                                        <p:strVal val="visible"/>
+                                      </p:to>
+                                    </p:set>
+                                  </p:childTnLst>
+                                </p:cTn>
+                              </p:par>
+                            </p:childTnLst>
+                          </p:cTn>
+                        </p:par>
+                      </p:childTnLst>
+                    </p:cTn>
+                  </p:par>
+                  <p:par>
+                    <p:cTn id="15" fill="hold">
+                      <p:stCondLst>
+                        <p:cond delay="indefinite"/>
+                      </p:stCondLst>
+                      <p:childTnLst>
+                        <p:par>
+                          <p:cTn id="16" fill="hold">
+                            <p:stCondLst>
+                              <p:cond delay="0"/>
+                            </p:stCondLst>
+                            <p:childTnLst>
+                              <p:par>
+                                <p:cTn id="17" presetID="1" presetClass="entr" presetSubtype="0" fill="hold" grpId="0" nodeType="clickEffect">
+                                  <p:stCondLst>
+                                    <p:cond delay="0"/>
+                                  </p:stCondLst>
+                                  <p:childTnLst>
+                                    <p:set>
+                                      <p:cBhvr>
+                                        <p:cTn id="18" dur="1" fill="hold">
+                                          <p:stCondLst>
+                                            <p:cond delay="0"/>
+                                          </p:stCondLst>
+                                        </p:cTn>
+                                        <p:tgtEl>
+                                          <p:spTgt spid="3">
+                                            <p:txEl>
+                                              <p:pRg st="3" end="3"/>
+                                            </p:txEl>
+                                          </p:spTgt>
+                                        </p:tgtEl>
+                                        <p:attrNameLst>
+                                          <p:attrName>style.visibility</p:attrName>
+                                        </p:attrNameLst>
+                                      </p:cBhvr>
+                                      <p:to>
+                                        <p:strVal val="visible"/>
+                                      </p:to>
+                                    </p:set>
+                                  </p:childTnLst>
+                                </p:cTn>
+                              </p:par>
+                            </p:childTnLst>
+                          </p:cTn>
+                        </p:par>
+                      </p:childTnLst>
+                    </p:cTn>
+                  </p:par>
+                </p:childTnLst>
+              </p:cTn>
+              <p:prevCondLst>
+                <p:cond evt="onPrev" delay="0">
+                  <p:tgtEl>
+                    <p:sldTgt/>
+                  </p:tgtEl>
+                </p:cond>
+              </p:prevCondLst>
+              <p:nextCondLst>
+                <p:cond evt="onNext" delay="0">
+                  <p:tgtEl>
+                    <p:sldTgt/>
+                  </p:tgtEl>
+                </p:cond>
+              </p:nextCondLst>
+            </p:seq>
+          </p:childTnLst>
+        </p:cTn>
+      </p:par>
+    </p:tnLst>
+    <p:bldLst>
+      <p:bldP spid="3" grpId="0" build="p"/>
+    </p:bldLst>
+  </p:timing>
 </p:sld>
 </file>
 
@@ -4820,6 +5389,15 @@
                 <a:hlinkClick r:id="rId6"/>
               </a:rPr>
               <a:t>Test automation university</a:t>
+            </a:r>
+            <a:endParaRPr lang="en-US" dirty="0"/>
+          </a:p>
+          <a:p>
+            <a:r>
+              <a:rPr lang="en-US" dirty="0">
+                <a:hlinkClick r:id="rId7"/>
+              </a:rPr>
+              <a:t>How to write good gherkin</a:t>
             </a:r>
             <a:endParaRPr lang="en-US" dirty="0"/>
           </a:p>
@@ -5978,6 +6556,382 @@
   <p:clrMapOvr>
     <a:masterClrMapping/>
   </p:clrMapOvr>
+  <p:timing>
+    <p:tnLst>
+      <p:par>
+        <p:cTn id="1" dur="indefinite" restart="never" nodeType="tmRoot">
+          <p:childTnLst>
+            <p:seq concurrent="1" nextAc="seek">
+              <p:cTn id="2" dur="indefinite" nodeType="mainSeq">
+                <p:childTnLst>
+                  <p:par>
+                    <p:cTn id="3" fill="hold">
+                      <p:stCondLst>
+                        <p:cond delay="indefinite"/>
+                      </p:stCondLst>
+                      <p:childTnLst>
+                        <p:par>
+                          <p:cTn id="4" fill="hold">
+                            <p:stCondLst>
+                              <p:cond delay="0"/>
+                            </p:stCondLst>
+                            <p:childTnLst>
+                              <p:par>
+                                <p:cTn id="5" presetID="1" presetClass="entr" presetSubtype="0" fill="hold" grpId="0" nodeType="clickEffect">
+                                  <p:stCondLst>
+                                    <p:cond delay="0"/>
+                                  </p:stCondLst>
+                                  <p:childTnLst>
+                                    <p:set>
+                                      <p:cBhvr>
+                                        <p:cTn id="6" dur="1" fill="hold">
+                                          <p:stCondLst>
+                                            <p:cond delay="0"/>
+                                          </p:stCondLst>
+                                        </p:cTn>
+                                        <p:tgtEl>
+                                          <p:spTgt spid="3">
+                                            <p:txEl>
+                                              <p:pRg st="0" end="0"/>
+                                            </p:txEl>
+                                          </p:spTgt>
+                                        </p:tgtEl>
+                                        <p:attrNameLst>
+                                          <p:attrName>style.visibility</p:attrName>
+                                        </p:attrNameLst>
+                                      </p:cBhvr>
+                                      <p:to>
+                                        <p:strVal val="visible"/>
+                                      </p:to>
+                                    </p:set>
+                                  </p:childTnLst>
+                                </p:cTn>
+                              </p:par>
+                            </p:childTnLst>
+                          </p:cTn>
+                        </p:par>
+                      </p:childTnLst>
+                    </p:cTn>
+                  </p:par>
+                  <p:par>
+                    <p:cTn id="7" fill="hold">
+                      <p:stCondLst>
+                        <p:cond delay="indefinite"/>
+                      </p:stCondLst>
+                      <p:childTnLst>
+                        <p:par>
+                          <p:cTn id="8" fill="hold">
+                            <p:stCondLst>
+                              <p:cond delay="0"/>
+                            </p:stCondLst>
+                            <p:childTnLst>
+                              <p:par>
+                                <p:cTn id="9" presetID="1" presetClass="entr" presetSubtype="0" fill="hold" grpId="0" nodeType="clickEffect">
+                                  <p:stCondLst>
+                                    <p:cond delay="0"/>
+                                  </p:stCondLst>
+                                  <p:childTnLst>
+                                    <p:set>
+                                      <p:cBhvr>
+                                        <p:cTn id="10" dur="1" fill="hold">
+                                          <p:stCondLst>
+                                            <p:cond delay="0"/>
+                                          </p:stCondLst>
+                                        </p:cTn>
+                                        <p:tgtEl>
+                                          <p:spTgt spid="3">
+                                            <p:txEl>
+                                              <p:pRg st="1" end="1"/>
+                                            </p:txEl>
+                                          </p:spTgt>
+                                        </p:tgtEl>
+                                        <p:attrNameLst>
+                                          <p:attrName>style.visibility</p:attrName>
+                                        </p:attrNameLst>
+                                      </p:cBhvr>
+                                      <p:to>
+                                        <p:strVal val="visible"/>
+                                      </p:to>
+                                    </p:set>
+                                  </p:childTnLst>
+                                </p:cTn>
+                              </p:par>
+                            </p:childTnLst>
+                          </p:cTn>
+                        </p:par>
+                      </p:childTnLst>
+                    </p:cTn>
+                  </p:par>
+                  <p:par>
+                    <p:cTn id="11" fill="hold">
+                      <p:stCondLst>
+                        <p:cond delay="indefinite"/>
+                      </p:stCondLst>
+                      <p:childTnLst>
+                        <p:par>
+                          <p:cTn id="12" fill="hold">
+                            <p:stCondLst>
+                              <p:cond delay="0"/>
+                            </p:stCondLst>
+                            <p:childTnLst>
+                              <p:par>
+                                <p:cTn id="13" presetID="1" presetClass="entr" presetSubtype="0" fill="hold" grpId="0" nodeType="clickEffect">
+                                  <p:stCondLst>
+                                    <p:cond delay="0"/>
+                                  </p:stCondLst>
+                                  <p:childTnLst>
+                                    <p:set>
+                                      <p:cBhvr>
+                                        <p:cTn id="14" dur="1" fill="hold">
+                                          <p:stCondLst>
+                                            <p:cond delay="0"/>
+                                          </p:stCondLst>
+                                        </p:cTn>
+                                        <p:tgtEl>
+                                          <p:spTgt spid="3">
+                                            <p:txEl>
+                                              <p:pRg st="2" end="2"/>
+                                            </p:txEl>
+                                          </p:spTgt>
+                                        </p:tgtEl>
+                                        <p:attrNameLst>
+                                          <p:attrName>style.visibility</p:attrName>
+                                        </p:attrNameLst>
+                                      </p:cBhvr>
+                                      <p:to>
+                                        <p:strVal val="visible"/>
+                                      </p:to>
+                                    </p:set>
+                                  </p:childTnLst>
+                                </p:cTn>
+                              </p:par>
+                            </p:childTnLst>
+                          </p:cTn>
+                        </p:par>
+                      </p:childTnLst>
+                    </p:cTn>
+                  </p:par>
+                  <p:par>
+                    <p:cTn id="15" fill="hold">
+                      <p:stCondLst>
+                        <p:cond delay="indefinite"/>
+                      </p:stCondLst>
+                      <p:childTnLst>
+                        <p:par>
+                          <p:cTn id="16" fill="hold">
+                            <p:stCondLst>
+                              <p:cond delay="0"/>
+                            </p:stCondLst>
+                            <p:childTnLst>
+                              <p:par>
+                                <p:cTn id="17" presetID="1" presetClass="entr" presetSubtype="0" fill="hold" grpId="0" nodeType="clickEffect">
+                                  <p:stCondLst>
+                                    <p:cond delay="0"/>
+                                  </p:stCondLst>
+                                  <p:childTnLst>
+                                    <p:set>
+                                      <p:cBhvr>
+                                        <p:cTn id="18" dur="1" fill="hold">
+                                          <p:stCondLst>
+                                            <p:cond delay="0"/>
+                                          </p:stCondLst>
+                                        </p:cTn>
+                                        <p:tgtEl>
+                                          <p:spTgt spid="3">
+                                            <p:txEl>
+                                              <p:pRg st="3" end="3"/>
+                                            </p:txEl>
+                                          </p:spTgt>
+                                        </p:tgtEl>
+                                        <p:attrNameLst>
+                                          <p:attrName>style.visibility</p:attrName>
+                                        </p:attrNameLst>
+                                      </p:cBhvr>
+                                      <p:to>
+                                        <p:strVal val="visible"/>
+                                      </p:to>
+                                    </p:set>
+                                  </p:childTnLst>
+                                </p:cTn>
+                              </p:par>
+                            </p:childTnLst>
+                          </p:cTn>
+                        </p:par>
+                      </p:childTnLst>
+                    </p:cTn>
+                  </p:par>
+                  <p:par>
+                    <p:cTn id="19" fill="hold">
+                      <p:stCondLst>
+                        <p:cond delay="indefinite"/>
+                      </p:stCondLst>
+                      <p:childTnLst>
+                        <p:par>
+                          <p:cTn id="20" fill="hold">
+                            <p:stCondLst>
+                              <p:cond delay="0"/>
+                            </p:stCondLst>
+                            <p:childTnLst>
+                              <p:par>
+                                <p:cTn id="21" presetID="1" presetClass="entr" presetSubtype="0" fill="hold" grpId="0" nodeType="clickEffect">
+                                  <p:stCondLst>
+                                    <p:cond delay="0"/>
+                                  </p:stCondLst>
+                                  <p:childTnLst>
+                                    <p:set>
+                                      <p:cBhvr>
+                                        <p:cTn id="22" dur="1" fill="hold">
+                                          <p:stCondLst>
+                                            <p:cond delay="0"/>
+                                          </p:stCondLst>
+                                        </p:cTn>
+                                        <p:tgtEl>
+                                          <p:spTgt spid="3">
+                                            <p:txEl>
+                                              <p:pRg st="4" end="4"/>
+                                            </p:txEl>
+                                          </p:spTgt>
+                                        </p:tgtEl>
+                                        <p:attrNameLst>
+                                          <p:attrName>style.visibility</p:attrName>
+                                        </p:attrNameLst>
+                                      </p:cBhvr>
+                                      <p:to>
+                                        <p:strVal val="visible"/>
+                                      </p:to>
+                                    </p:set>
+                                  </p:childTnLst>
+                                </p:cTn>
+                              </p:par>
+                            </p:childTnLst>
+                          </p:cTn>
+                        </p:par>
+                      </p:childTnLst>
+                    </p:cTn>
+                  </p:par>
+                  <p:par>
+                    <p:cTn id="23" fill="hold">
+                      <p:stCondLst>
+                        <p:cond delay="indefinite"/>
+                      </p:stCondLst>
+                      <p:childTnLst>
+                        <p:par>
+                          <p:cTn id="24" fill="hold">
+                            <p:stCondLst>
+                              <p:cond delay="0"/>
+                            </p:stCondLst>
+                            <p:childTnLst>
+                              <p:par>
+                                <p:cTn id="25" presetID="1" presetClass="entr" presetSubtype="0" fill="hold" grpId="0" nodeType="clickEffect">
+                                  <p:stCondLst>
+                                    <p:cond delay="0"/>
+                                  </p:stCondLst>
+                                  <p:childTnLst>
+                                    <p:set>
+                                      <p:cBhvr>
+                                        <p:cTn id="26" dur="1" fill="hold">
+                                          <p:stCondLst>
+                                            <p:cond delay="0"/>
+                                          </p:stCondLst>
+                                        </p:cTn>
+                                        <p:tgtEl>
+                                          <p:spTgt spid="3">
+                                            <p:txEl>
+                                              <p:pRg st="5" end="5"/>
+                                            </p:txEl>
+                                          </p:spTgt>
+                                        </p:tgtEl>
+                                        <p:attrNameLst>
+                                          <p:attrName>style.visibility</p:attrName>
+                                        </p:attrNameLst>
+                                      </p:cBhvr>
+                                      <p:to>
+                                        <p:strVal val="visible"/>
+                                      </p:to>
+                                    </p:set>
+                                  </p:childTnLst>
+                                </p:cTn>
+                              </p:par>
+                            </p:childTnLst>
+                          </p:cTn>
+                        </p:par>
+                      </p:childTnLst>
+                    </p:cTn>
+                  </p:par>
+                  <p:par>
+                    <p:cTn id="27" fill="hold">
+                      <p:stCondLst>
+                        <p:cond delay="indefinite"/>
+                      </p:stCondLst>
+                      <p:childTnLst>
+                        <p:par>
+                          <p:cTn id="28" fill="hold">
+                            <p:stCondLst>
+                              <p:cond delay="0"/>
+                            </p:stCondLst>
+                            <p:childTnLst>
+                              <p:par>
+                                <p:cTn id="29" presetID="1" presetClass="entr" presetSubtype="0" fill="hold" grpId="0" nodeType="clickEffect">
+                                  <p:stCondLst>
+                                    <p:cond delay="0"/>
+                                  </p:stCondLst>
+                                  <p:childTnLst>
+                                    <p:set>
+                                      <p:cBhvr>
+                                        <p:cTn id="30" dur="1" fill="hold">
+                                          <p:stCondLst>
+                                            <p:cond delay="0"/>
+                                          </p:stCondLst>
+                                        </p:cTn>
+                                        <p:tgtEl>
+                                          <p:spTgt spid="3">
+                                            <p:txEl>
+                                              <p:pRg st="6" end="6"/>
+                                            </p:txEl>
+                                          </p:spTgt>
+                                        </p:tgtEl>
+                                        <p:attrNameLst>
+                                          <p:attrName>style.visibility</p:attrName>
+                                        </p:attrNameLst>
+                                      </p:cBhvr>
+                                      <p:to>
+                                        <p:strVal val="visible"/>
+                                      </p:to>
+                                    </p:set>
+                                  </p:childTnLst>
+                                </p:cTn>
+                              </p:par>
+                            </p:childTnLst>
+                          </p:cTn>
+                        </p:par>
+                      </p:childTnLst>
+                    </p:cTn>
+                  </p:par>
+                </p:childTnLst>
+              </p:cTn>
+              <p:prevCondLst>
+                <p:cond evt="onPrev" delay="0">
+                  <p:tgtEl>
+                    <p:sldTgt/>
+                  </p:tgtEl>
+                </p:cond>
+              </p:prevCondLst>
+              <p:nextCondLst>
+                <p:cond evt="onNext" delay="0">
+                  <p:tgtEl>
+                    <p:sldTgt/>
+                  </p:tgtEl>
+                </p:cond>
+              </p:nextCondLst>
+            </p:seq>
+          </p:childTnLst>
+        </p:cTn>
+      </p:par>
+    </p:tnLst>
+    <p:bldLst>
+      <p:bldP spid="3" grpId="0" uiExpand="1" build="p"/>
+    </p:bldLst>
+  </p:timing>
 </p:sld>
 </file>
 

--- a/src/test/resources/documentation/TDT2019.pptx
+++ b/src/test/resources/documentation/TDT2019.pptx
@@ -17,9 +17,10 @@
     <p:sldId id="262" r:id="rId11"/>
     <p:sldId id="265" r:id="rId12"/>
     <p:sldId id="270" r:id="rId13"/>
-    <p:sldId id="271" r:id="rId14"/>
-    <p:sldId id="272" r:id="rId15"/>
-    <p:sldId id="273" r:id="rId16"/>
+    <p:sldId id="275" r:id="rId14"/>
+    <p:sldId id="271" r:id="rId15"/>
+    <p:sldId id="272" r:id="rId16"/>
+    <p:sldId id="273" r:id="rId17"/>
   </p:sldIdLst>
   <p:sldSz cx="12192000" cy="6858000"/>
   <p:notesSz cx="6858000" cy="9144000"/>
@@ -351,7 +352,7 @@
             <a:fld id="{5586B75A-687E-405C-8A0B-8D00578BA2C3}" type="datetimeFigureOut">
               <a:rPr lang="en-US" dirty="0"/>
               <a:pPr/>
-              <a:t>11/4/19</a:t>
+              <a:t>11/8/19</a:t>
             </a:fld>
             <a:endParaRPr lang="en-US" dirty="0"/>
           </a:p>
@@ -518,7 +519,7 @@
             <a:fld id="{5586B75A-687E-405C-8A0B-8D00578BA2C3}" type="datetimeFigureOut">
               <a:rPr lang="en-US" dirty="0"/>
               <a:pPr/>
-              <a:t>11/4/19</a:t>
+              <a:t>11/8/19</a:t>
             </a:fld>
             <a:endParaRPr lang="en-US" dirty="0"/>
           </a:p>
@@ -695,7 +696,7 @@
             <a:fld id="{5586B75A-687E-405C-8A0B-8D00578BA2C3}" type="datetimeFigureOut">
               <a:rPr lang="en-US" dirty="0"/>
               <a:pPr/>
-              <a:t>11/4/19</a:t>
+              <a:t>11/8/19</a:t>
             </a:fld>
             <a:endParaRPr lang="en-US" dirty="0"/>
           </a:p>
@@ -862,7 +863,7 @@
             <a:fld id="{5586B75A-687E-405C-8A0B-8D00578BA2C3}" type="datetimeFigureOut">
               <a:rPr lang="en-US" dirty="0"/>
               <a:pPr/>
-              <a:t>11/4/19</a:t>
+              <a:t>11/8/19</a:t>
             </a:fld>
             <a:endParaRPr lang="en-US" dirty="0"/>
           </a:p>
@@ -1117,7 +1118,7 @@
             <a:fld id="{5586B75A-687E-405C-8A0B-8D00578BA2C3}" type="datetimeFigureOut">
               <a:rPr lang="en-US" dirty="0"/>
               <a:pPr/>
-              <a:t>11/4/19</a:t>
+              <a:t>11/8/19</a:t>
             </a:fld>
             <a:endParaRPr lang="en-US" dirty="0"/>
           </a:p>
@@ -1402,7 +1403,7 @@
             <a:fld id="{5586B75A-687E-405C-8A0B-8D00578BA2C3}" type="datetimeFigureOut">
               <a:rPr lang="en-US" dirty="0"/>
               <a:pPr/>
-              <a:t>11/4/19</a:t>
+              <a:t>11/8/19</a:t>
             </a:fld>
             <a:endParaRPr lang="en-US" dirty="0"/>
           </a:p>
@@ -1841,7 +1842,7 @@
             <a:fld id="{5586B75A-687E-405C-8A0B-8D00578BA2C3}" type="datetimeFigureOut">
               <a:rPr lang="en-US" dirty="0"/>
               <a:pPr/>
-              <a:t>11/4/19</a:t>
+              <a:t>11/8/19</a:t>
             </a:fld>
             <a:endParaRPr lang="en-US" dirty="0"/>
           </a:p>
@@ -1956,7 +1957,7 @@
             <a:fld id="{5586B75A-687E-405C-8A0B-8D00578BA2C3}" type="datetimeFigureOut">
               <a:rPr lang="en-US" dirty="0"/>
               <a:pPr/>
-              <a:t>11/4/19</a:t>
+              <a:t>11/8/19</a:t>
             </a:fld>
             <a:endParaRPr lang="en-US" dirty="0"/>
           </a:p>
@@ -2048,7 +2049,7 @@
             <a:fld id="{5586B75A-687E-405C-8A0B-8D00578BA2C3}" type="datetimeFigureOut">
               <a:rPr lang="en-US" dirty="0"/>
               <a:pPr/>
-              <a:t>11/4/19</a:t>
+              <a:t>11/8/19</a:t>
             </a:fld>
             <a:endParaRPr lang="en-US" dirty="0"/>
           </a:p>
@@ -2333,7 +2334,7 @@
             <a:fld id="{5586B75A-687E-405C-8A0B-8D00578BA2C3}" type="datetimeFigureOut">
               <a:rPr lang="en-US" dirty="0"/>
               <a:pPr/>
-              <a:t>11/4/19</a:t>
+              <a:t>11/8/19</a:t>
             </a:fld>
             <a:endParaRPr lang="en-US" dirty="0"/>
           </a:p>
@@ -2603,7 +2604,7 @@
             <a:fld id="{5586B75A-687E-405C-8A0B-8D00578BA2C3}" type="datetimeFigureOut">
               <a:rPr lang="en-US" dirty="0"/>
               <a:pPr/>
-              <a:t>11/4/19</a:t>
+              <a:t>11/8/19</a:t>
             </a:fld>
             <a:endParaRPr lang="en-US" dirty="0"/>
           </a:p>
@@ -2897,7 +2898,7 @@
             <a:fld id="{5586B75A-687E-405C-8A0B-8D00578BA2C3}" type="datetimeFigureOut">
               <a:rPr lang="en-US" dirty="0"/>
               <a:pPr/>
-              <a:t>11/4/19</a:t>
+              <a:t>11/8/19</a:t>
             </a:fld>
             <a:endParaRPr lang="en-US" dirty="0"/>
           </a:p>
@@ -4876,6 +4877,121 @@
           <p:cNvPr id="2" name="Title 1">
             <a:extLst>
               <a:ext uri="{FF2B5EF4-FFF2-40B4-BE49-F238E27FC236}">
+                <a16:creationId xmlns:a16="http://schemas.microsoft.com/office/drawing/2014/main" id="{51919237-7359-1240-8665-6D322DFF82A3}"/>
+              </a:ext>
+            </a:extLst>
+          </p:cNvPr>
+          <p:cNvSpPr>
+            <a:spLocks noGrp="1"/>
+          </p:cNvSpPr>
+          <p:nvPr>
+            <p:ph type="title"/>
+          </p:nvPr>
+        </p:nvSpPr>
+        <p:spPr/>
+        <p:txBody>
+          <a:bodyPr/>
+          <a:lstStyle/>
+          <a:p>
+            <a:r>
+              <a:rPr lang="en-US" dirty="0"/>
+              <a:t>Challenges</a:t>
+            </a:r>
+          </a:p>
+        </p:txBody>
+      </p:sp>
+      <p:sp>
+        <p:nvSpPr>
+          <p:cNvPr id="3" name="Content Placeholder 2">
+            <a:extLst>
+              <a:ext uri="{FF2B5EF4-FFF2-40B4-BE49-F238E27FC236}">
+                <a16:creationId xmlns:a16="http://schemas.microsoft.com/office/drawing/2014/main" id="{B3982A5F-7EF4-8E40-A1CF-C98CE0CDD266}"/>
+              </a:ext>
+            </a:extLst>
+          </p:cNvPr>
+          <p:cNvSpPr>
+            <a:spLocks noGrp="1"/>
+          </p:cNvSpPr>
+          <p:nvPr>
+            <p:ph idx="1"/>
+          </p:nvPr>
+        </p:nvSpPr>
+        <p:spPr>
+          <a:xfrm>
+            <a:off x="3557588" y="864108"/>
+            <a:ext cx="7626880" cy="5120640"/>
+          </a:xfrm>
+        </p:spPr>
+        <p:txBody>
+          <a:bodyPr/>
+          <a:lstStyle/>
+          <a:p>
+            <a:r>
+              <a:rPr lang="en-US" dirty="0"/>
+              <a:t>Time for develop and maintain the automated tests</a:t>
+            </a:r>
+          </a:p>
+          <a:p>
+            <a:r>
+              <a:rPr lang="en-US" dirty="0"/>
+              <a:t>Test environment setup</a:t>
+            </a:r>
+          </a:p>
+          <a:p>
+            <a:r>
+              <a:rPr lang="en-US" dirty="0"/>
+              <a:t>Knowledge</a:t>
+            </a:r>
+          </a:p>
+          <a:p>
+            <a:r>
+              <a:rPr lang="en-US" dirty="0"/>
+              <a:t>False positive </a:t>
+            </a:r>
+          </a:p>
+          <a:p>
+            <a:r>
+              <a:rPr lang="en-US" dirty="0"/>
+              <a:t>User interfaces change</a:t>
+            </a:r>
+          </a:p>
+        </p:txBody>
+      </p:sp>
+    </p:spTree>
+    <p:extLst>
+      <p:ext uri="{BB962C8B-B14F-4D97-AF65-F5344CB8AC3E}">
+        <p14:creationId xmlns:p14="http://schemas.microsoft.com/office/powerpoint/2010/main" val="437202204"/>
+      </p:ext>
+    </p:extLst>
+  </p:cSld>
+  <p:clrMapOvr>
+    <a:masterClrMapping/>
+  </p:clrMapOvr>
+</p:sld>
+</file>
+
+<file path=ppt/slides/slide14.xml><?xml version="1.0" encoding="utf-8"?>
+<p:sld xmlns:a="http://schemas.openxmlformats.org/drawingml/2006/main" xmlns:r="http://schemas.openxmlformats.org/officeDocument/2006/relationships" xmlns:p="http://schemas.openxmlformats.org/presentationml/2006/main">
+  <p:cSld>
+    <p:spTree>
+      <p:nvGrpSpPr>
+        <p:cNvPr id="1" name=""/>
+        <p:cNvGrpSpPr/>
+        <p:nvPr/>
+      </p:nvGrpSpPr>
+      <p:grpSpPr>
+        <a:xfrm>
+          <a:off x="0" y="0"/>
+          <a:ext cx="0" cy="0"/>
+          <a:chOff x="0" y="0"/>
+          <a:chExt cx="0" cy="0"/>
+        </a:xfrm>
+      </p:grpSpPr>
+      <p:sp>
+        <p:nvSpPr>
+          <p:cNvPr id="2" name="Title 1">
+            <a:extLst>
+              <a:ext uri="{FF2B5EF4-FFF2-40B4-BE49-F238E27FC236}">
                 <a16:creationId xmlns:a16="http://schemas.microsoft.com/office/drawing/2014/main" id="{718D9D6E-40EB-4049-AD61-CA41DD059DAA}"/>
               </a:ext>
             </a:extLst>
@@ -5281,7 +5397,7 @@
 </p:sld>
 </file>
 
-<file path=ppt/slides/slide14.xml><?xml version="1.0" encoding="utf-8"?>
+<file path=ppt/slides/slide15.xml><?xml version="1.0" encoding="utf-8"?>
 <p:sld xmlns:a="http://schemas.openxmlformats.org/drawingml/2006/main" xmlns:r="http://schemas.openxmlformats.org/officeDocument/2006/relationships" xmlns:p="http://schemas.openxmlformats.org/presentationml/2006/main">
   <p:cSld>
     <p:spTree>
@@ -5416,7 +5532,7 @@
 </p:sld>
 </file>
 
-<file path=ppt/slides/slide15.xml><?xml version="1.0" encoding="utf-8"?>
+<file path=ppt/slides/slide16.xml><?xml version="1.0" encoding="utf-8"?>
 <p:sld xmlns:a="http://schemas.openxmlformats.org/drawingml/2006/main" xmlns:r="http://schemas.openxmlformats.org/officeDocument/2006/relationships" xmlns:p="http://schemas.openxmlformats.org/presentationml/2006/main">
   <p:cSld>
     <p:spTree>
@@ -6397,7 +6513,7 @@
             </a:r>
             <a:r>
               <a:rPr lang="ro-RO" dirty="0"/>
-              <a:t> clone </a:t>
+              <a:t> clone –b tdt-2019 </a:t>
             </a:r>
             <a:r>
               <a:rPr lang="ro-RO" dirty="0">
